--- a/App Proposal.pptx
+++ b/App Proposal.pptx
@@ -118,6 +118,11 @@
       </a:defRPr>
     </a:lvl9pPr>
   </p:defaultTextStyle>
+  <p:extLst>
+    <p:ext uri="{EFAFB233-063F-42B5-8137-9DF3F51BA10A}">
+      <p15:sldGuideLst xmlns:p15="http://schemas.microsoft.com/office/powerpoint/2012/main"/>
+    </p:ext>
+  </p:extLst>
 </p:presentation>
 </file>
 
@@ -6302,7 +6307,31 @@
               <a:rPr lang="en-US" sz="2000" dirty="0">
                 <a:latin typeface="Calibri"/>
               </a:rPr>
-              <a:t>• Total: ~5 to 6 Months</a:t>
+              <a:t>• Total: ~</a:t>
+            </a:r>
+            <a:r>
+              <a:rPr lang="en-US" dirty="0">
+                <a:latin typeface="Calibri"/>
+              </a:rPr>
+              <a:t>8</a:t>
+            </a:r>
+            <a:r>
+              <a:rPr lang="en-US" sz="2000" dirty="0">
+                <a:latin typeface="Calibri"/>
+              </a:rPr>
+              <a:t>to </a:t>
+            </a:r>
+            <a:r>
+              <a:rPr lang="en-US" dirty="0">
+                <a:latin typeface="Calibri"/>
+              </a:rPr>
+              <a:t>12</a:t>
+            </a:r>
+            <a:r>
+              <a:rPr lang="en-US" sz="2000" dirty="0">
+                <a:latin typeface="Calibri"/>
+              </a:rPr>
+              <a:t> Months</a:t>
             </a:r>
           </a:p>
           <a:p>
@@ -6399,15 +6428,31 @@
               <a:rPr lang="fr-BE" sz="2000" dirty="0">
                 <a:latin typeface="Calibri"/>
               </a:rPr>
-              <a:t>• Rider &amp; Driver App: [Insert GitHub Link]</a:t>
-            </a:r>
-          </a:p>
-          <a:p>
+              <a:t>• Rider &amp; Driver App: [</a:t>
+            </a:r>
+            <a:r>
+              <a:rPr lang="fr-BE" dirty="0" err="1">
+                <a:latin typeface="Calibri"/>
+              </a:rPr>
+              <a:t>RamishCodes</a:t>
+            </a:r>
+            <a:r>
+              <a:rPr lang="fr-BE" dirty="0">
+                <a:latin typeface="Calibri"/>
+              </a:rPr>
+              <a:t>/</a:t>
+            </a:r>
+            <a:r>
+              <a:rPr lang="fr-BE" dirty="0" err="1">
+                <a:latin typeface="Calibri"/>
+              </a:rPr>
+              <a:t>Ramishportfolio</a:t>
+            </a:r>
             <a:r>
               <a:rPr lang="fr-BE" sz="2000" dirty="0">
                 <a:latin typeface="Calibri"/>
               </a:rPr>
-              <a:t>• Backend API: [Insert GitHub Link]</a:t>
+              <a:t>]</a:t>
             </a:r>
           </a:p>
           <a:p>
@@ -6415,15 +6460,95 @@
               <a:rPr lang="fr-BE" sz="2000" dirty="0">
                 <a:latin typeface="Calibri"/>
               </a:rPr>
-              <a:t>• Admin Panel: [Insert GitHub Link]</a:t>
-            </a:r>
-          </a:p>
-          <a:p>
+              <a:t>• Backend API: [</a:t>
+            </a:r>
+            <a:r>
+              <a:rPr lang="fr-BE" dirty="0" err="1">
+                <a:latin typeface="Calibri"/>
+              </a:rPr>
+              <a:t>RamishCodes</a:t>
+            </a:r>
+            <a:r>
+              <a:rPr lang="fr-BE" dirty="0">
+                <a:latin typeface="Calibri"/>
+              </a:rPr>
+              <a:t>/</a:t>
+            </a:r>
+            <a:r>
+              <a:rPr lang="fr-BE" dirty="0" err="1">
+                <a:latin typeface="Calibri"/>
+              </a:rPr>
+              <a:t>Ramishportfolio</a:t>
+            </a:r>
             <a:r>
               <a:rPr lang="fr-BE" sz="2000" dirty="0">
                 <a:latin typeface="Calibri"/>
               </a:rPr>
-              <a:t>• Desktop App: [Insert GitHub Link]</a:t>
+              <a:t>]</a:t>
+            </a:r>
+          </a:p>
+          <a:p>
+            <a:r>
+              <a:rPr lang="fr-BE" sz="2000" dirty="0">
+                <a:latin typeface="Calibri"/>
+              </a:rPr>
+              <a:t>• Admin Panel: [</a:t>
+            </a:r>
+            <a:r>
+              <a:rPr lang="fr-BE" dirty="0" err="1">
+                <a:latin typeface="Calibri"/>
+              </a:rPr>
+              <a:t>RamishCodes</a:t>
+            </a:r>
+            <a:r>
+              <a:rPr lang="fr-BE" dirty="0">
+                <a:latin typeface="Calibri"/>
+              </a:rPr>
+              <a:t>/</a:t>
+            </a:r>
+            <a:r>
+              <a:rPr lang="fr-BE" dirty="0" err="1">
+                <a:latin typeface="Calibri"/>
+              </a:rPr>
+              <a:t>Ramishportfolio</a:t>
+            </a:r>
+            <a:r>
+              <a:rPr lang="fr-BE" sz="2000" dirty="0">
+                <a:latin typeface="Calibri"/>
+              </a:rPr>
+              <a:t>]</a:t>
+            </a:r>
+          </a:p>
+          <a:p>
+            <a:r>
+              <a:rPr lang="fr-BE" sz="2000" dirty="0">
+                <a:latin typeface="Calibri"/>
+              </a:rPr>
+              <a:t>• Desktop App: [</a:t>
+            </a:r>
+            <a:r>
+              <a:rPr lang="fr-BE" dirty="0" err="1">
+                <a:latin typeface="Calibri"/>
+              </a:rPr>
+              <a:t>RamishCodes</a:t>
+            </a:r>
+            <a:r>
+              <a:rPr lang="fr-BE" dirty="0">
+                <a:latin typeface="Calibri"/>
+              </a:rPr>
+              <a:t>/</a:t>
+            </a:r>
+            <a:r>
+              <a:rPr lang="fr-BE" dirty="0" err="1">
+                <a:latin typeface="Calibri"/>
+              </a:rPr>
+              <a:t>Ramishportfolio</a:t>
+            </a:r>
+            <a:r>
+              <a:rPr lang="fr-BE" sz="2000" dirty="0">
+                <a:latin typeface="Calibri"/>
+              </a:rPr>
+              <a:t>]</a:t>
             </a:r>
           </a:p>
           <a:p>
@@ -6484,12 +6609,8 @@
           <a:p>
             <a:pPr algn="ctr"/>
             <a:r>
-              <a:rPr lang="en-US" dirty="0" err="1"/>
-              <a:t>Buseness</a:t>
-            </a:r>
-            <a:r>
               <a:rPr lang="en-US" dirty="0"/>
-              <a:t> model</a:t>
+              <a:t>Business model</a:t>
             </a:r>
             <a:endParaRPr lang="fr-BE" dirty="0"/>
           </a:p>
@@ -7308,7 +7429,7 @@
               <a:rPr lang="fr-BE" sz="2000" dirty="0">
                 <a:latin typeface="Calibri"/>
               </a:rPr>
-              <a:t>• 5 Backend </a:t>
+              <a:t>• 2 Backend </a:t>
             </a:r>
             <a:r>
               <a:rPr lang="fr-BE" sz="2000" dirty="0" err="1">
